--- a/Client Requirements/Components desired for scheduling software tool.pptx
+++ b/Client Requirements/Components desired for scheduling software tool.pptx
@@ -6,6 +6,7 @@
   </p:sldMasterIdLst>
   <p:sldIdLst>
     <p:sldId id="259" r:id="rId2"/>
+    <p:sldId id="260" r:id="rId3"/>
   </p:sldIdLst>
   <p:sldSz cx="9144000" cy="6858000" type="screen4x3"/>
   <p:notesSz cx="7010400" cy="9236075"/>
@@ -1071,13 +1072,6 @@
               </a:rPr>
               <a:t>functions</a:t>
             </a:r>
-            <a:endParaRPr lang="en-US" sz="1000" b="1" dirty="0" smtClean="0">
-              <a:solidFill>
-                <a:schemeClr val="bg1"/>
-              </a:solidFill>
-              <a:latin typeface="Arial" pitchFamily="34" charset="0"/>
-              <a:cs typeface="Arial" pitchFamily="34" charset="0"/>
-            </a:endParaRPr>
           </a:p>
         </p:txBody>
       </p:sp>
@@ -1162,13 +1156,6 @@
               </a:rPr>
               <a:t>functions</a:t>
             </a:r>
-            <a:endParaRPr lang="en-US" sz="1000" b="1" dirty="0" smtClean="0">
-              <a:solidFill>
-                <a:schemeClr val="bg1"/>
-              </a:solidFill>
-              <a:latin typeface="Arial" pitchFamily="34" charset="0"/>
-              <a:cs typeface="Arial" pitchFamily="34" charset="0"/>
-            </a:endParaRPr>
           </a:p>
         </p:txBody>
       </p:sp>
@@ -1240,13 +1227,6 @@
               </a:rPr>
               <a:t>functions</a:t>
             </a:r>
-            <a:endParaRPr lang="en-US" sz="1000" b="1" dirty="0" smtClean="0">
-              <a:solidFill>
-                <a:schemeClr val="bg1"/>
-              </a:solidFill>
-              <a:latin typeface="Arial" pitchFamily="34" charset="0"/>
-              <a:cs typeface="Arial" pitchFamily="34" charset="0"/>
-            </a:endParaRPr>
           </a:p>
         </p:txBody>
       </p:sp>
@@ -1318,13 +1298,6 @@
               </a:rPr>
               <a:t>algorithm / engine</a:t>
             </a:r>
-            <a:endParaRPr lang="en-US" sz="900" b="1" dirty="0" smtClean="0">
-              <a:solidFill>
-                <a:srgbClr val="000000"/>
-              </a:solidFill>
-              <a:latin typeface="Arial" pitchFamily="34" charset="0"/>
-              <a:cs typeface="Arial" pitchFamily="34" charset="0"/>
-            </a:endParaRPr>
           </a:p>
         </p:txBody>
       </p:sp>
@@ -1383,13 +1356,6 @@
               </a:rPr>
               <a:t>Secure login</a:t>
             </a:r>
-            <a:endParaRPr lang="en-US" sz="900" b="1" dirty="0" smtClean="0">
-              <a:solidFill>
-                <a:srgbClr val="000000"/>
-              </a:solidFill>
-              <a:latin typeface="Arial" pitchFamily="34" charset="0"/>
-              <a:cs typeface="Arial" pitchFamily="34" charset="0"/>
-            </a:endParaRPr>
           </a:p>
         </p:txBody>
       </p:sp>
@@ -1448,13 +1414,6 @@
               </a:rPr>
               <a:t>Personal profile</a:t>
             </a:r>
-            <a:endParaRPr lang="en-US" sz="900" b="1" dirty="0" smtClean="0">
-              <a:solidFill>
-                <a:srgbClr val="000000"/>
-              </a:solidFill>
-              <a:latin typeface="Arial" pitchFamily="34" charset="0"/>
-              <a:cs typeface="Arial" pitchFamily="34" charset="0"/>
-            </a:endParaRPr>
           </a:p>
         </p:txBody>
       </p:sp>
@@ -1524,17 +1483,7 @@
                 <a:latin typeface="Arial" pitchFamily="34" charset="0"/>
                 <a:cs typeface="Arial" pitchFamily="34" charset="0"/>
               </a:rPr>
-              <a:t>Days off</a:t>
-            </a:r>
-            <a:r>
-              <a:rPr lang="en-US" sz="900" b="1" dirty="0" smtClean="0">
-                <a:solidFill>
-                  <a:srgbClr val="000000"/>
-                </a:solidFill>
-                <a:latin typeface="Arial" pitchFamily="34" charset="0"/>
-                <a:cs typeface="Arial" pitchFamily="34" charset="0"/>
-              </a:rPr>
-              <a:t> request</a:t>
+              <a:t>Days off request</a:t>
             </a:r>
           </a:p>
         </p:txBody>
@@ -1607,13 +1556,6 @@
               </a:rPr>
               <a:t>notification</a:t>
             </a:r>
-            <a:endParaRPr lang="en-US" sz="900" b="1" dirty="0" smtClean="0">
-              <a:solidFill>
-                <a:srgbClr val="000000"/>
-              </a:solidFill>
-              <a:latin typeface="Arial" pitchFamily="34" charset="0"/>
-              <a:cs typeface="Arial" pitchFamily="34" charset="0"/>
-            </a:endParaRPr>
           </a:p>
         </p:txBody>
       </p:sp>
@@ -1864,17 +1806,7 @@
                 <a:latin typeface="Arial" pitchFamily="34" charset="0"/>
                 <a:cs typeface="Arial" pitchFamily="34" charset="0"/>
               </a:rPr>
-              <a:t>with </a:t>
-            </a:r>
-            <a:r>
-              <a:rPr lang="en-US" sz="900" b="1" dirty="0" smtClean="0">
-                <a:solidFill>
-                  <a:srgbClr val="000000"/>
-                </a:solidFill>
-                <a:latin typeface="Arial" pitchFamily="34" charset="0"/>
-                <a:cs typeface="Arial" pitchFamily="34" charset="0"/>
-              </a:rPr>
-              <a:t>Rights management</a:t>
+              <a:t>with Rights management</a:t>
             </a:r>
           </a:p>
         </p:txBody>
@@ -2860,13 +2792,6 @@
               </a:rPr>
               <a:t>Key</a:t>
             </a:r>
-            <a:endParaRPr lang="en-US" sz="1400" b="1" dirty="0" smtClean="0">
-              <a:solidFill>
-                <a:srgbClr val="000000"/>
-              </a:solidFill>
-              <a:latin typeface="Arial" pitchFamily="34" charset="0"/>
-              <a:cs typeface="Arial" pitchFamily="34" charset="0"/>
-            </a:endParaRPr>
           </a:p>
         </p:txBody>
       </p:sp>
@@ -3106,6 +3031,98 @@
     <p:extLst>
       <p:ext uri="{BB962C8B-B14F-4D97-AF65-F5344CB8AC3E}">
         <p14:creationId xmlns:p14="http://schemas.microsoft.com/office/powerpoint/2010/main" val="4099165933"/>
+      </p:ext>
+    </p:extLst>
+  </p:cSld>
+  <p:clrMapOvr>
+    <a:masterClrMapping/>
+  </p:clrMapOvr>
+</p:sld>
+</file>
+
+<file path=ppt/slides/slide2.xml><?xml version="1.0" encoding="utf-8"?>
+<p:sld xmlns:a="http://schemas.openxmlformats.org/drawingml/2006/main" xmlns:r="http://schemas.openxmlformats.org/officeDocument/2006/relationships" xmlns:p="http://schemas.openxmlformats.org/presentationml/2006/main">
+  <p:cSld>
+    <p:spTree>
+      <p:nvGrpSpPr>
+        <p:cNvPr id="1" name=""/>
+        <p:cNvGrpSpPr/>
+        <p:nvPr/>
+      </p:nvGrpSpPr>
+      <p:grpSpPr>
+        <a:xfrm>
+          <a:off x="0" y="0"/>
+          <a:ext cx="0" cy="0"/>
+          <a:chOff x="0" y="0"/>
+          <a:chExt cx="0" cy="0"/>
+        </a:xfrm>
+      </p:grpSpPr>
+      <p:sp>
+        <p:nvSpPr>
+          <p:cNvPr id="2" name="Title 1"/>
+          <p:cNvSpPr>
+            <a:spLocks noGrp="1"/>
+          </p:cNvSpPr>
+          <p:nvPr>
+            <p:ph type="title"/>
+          </p:nvPr>
+        </p:nvSpPr>
+        <p:spPr/>
+        <p:txBody>
+          <a:bodyPr/>
+          <a:lstStyle/>
+          <a:p>
+            <a:endParaRPr lang="en-US"/>
+          </a:p>
+        </p:txBody>
+      </p:sp>
+      <p:sp>
+        <p:nvSpPr>
+          <p:cNvPr id="3" name="Slide Number Placeholder 2"/>
+          <p:cNvSpPr>
+            <a:spLocks noGrp="1"/>
+          </p:cNvSpPr>
+          <p:nvPr>
+            <p:ph type="sldNum" sz="quarter" idx="12"/>
+          </p:nvPr>
+        </p:nvSpPr>
+        <p:spPr/>
+        <p:txBody>
+          <a:bodyPr/>
+          <a:lstStyle/>
+          <a:p>
+            <a:fld id="{41D31163-1163-4313-A5C2-14AD5F367C22}" type="slidenum">
+              <a:rPr lang="en-US" smtClean="0"/>
+              <a:pPr/>
+              <a:t>2</a:t>
+            </a:fld>
+            <a:endParaRPr lang="en-US"/>
+          </a:p>
+        </p:txBody>
+      </p:sp>
+      <p:sp>
+        <p:nvSpPr>
+          <p:cNvPr id="4" name="Text Placeholder 3"/>
+          <p:cNvSpPr>
+            <a:spLocks noGrp="1"/>
+          </p:cNvSpPr>
+          <p:nvPr>
+            <p:ph type="body" sz="quarter" idx="13"/>
+          </p:nvPr>
+        </p:nvSpPr>
+        <p:spPr/>
+        <p:txBody>
+          <a:bodyPr/>
+          <a:lstStyle/>
+          <a:p>
+            <a:endParaRPr lang="en-US"/>
+          </a:p>
+        </p:txBody>
+      </p:sp>
+    </p:spTree>
+    <p:extLst>
+      <p:ext uri="{BB962C8B-B14F-4D97-AF65-F5344CB8AC3E}">
+        <p14:creationId xmlns:p14="http://schemas.microsoft.com/office/powerpoint/2010/main" val="1125151995"/>
       </p:ext>
     </p:extLst>
   </p:cSld>

--- a/Client Requirements/Components desired for scheduling software tool.pptx
+++ b/Client Requirements/Components desired for scheduling software tool.pptx
@@ -6,7 +6,6 @@
   </p:sldMasterIdLst>
   <p:sldIdLst>
     <p:sldId id="259" r:id="rId2"/>
-    <p:sldId id="260" r:id="rId3"/>
   </p:sldIdLst>
   <p:sldSz cx="9144000" cy="6858000" type="screen4x3"/>
   <p:notesSz cx="7010400" cy="9236075"/>
@@ -1072,6 +1071,13 @@
               </a:rPr>
               <a:t>functions</a:t>
             </a:r>
+            <a:endParaRPr lang="en-US" sz="1000" b="1" dirty="0" smtClean="0">
+              <a:solidFill>
+                <a:schemeClr val="bg1"/>
+              </a:solidFill>
+              <a:latin typeface="Arial" pitchFamily="34" charset="0"/>
+              <a:cs typeface="Arial" pitchFamily="34" charset="0"/>
+            </a:endParaRPr>
           </a:p>
         </p:txBody>
       </p:sp>
@@ -1156,6 +1162,13 @@
               </a:rPr>
               <a:t>functions</a:t>
             </a:r>
+            <a:endParaRPr lang="en-US" sz="1000" b="1" dirty="0" smtClean="0">
+              <a:solidFill>
+                <a:schemeClr val="bg1"/>
+              </a:solidFill>
+              <a:latin typeface="Arial" pitchFamily="34" charset="0"/>
+              <a:cs typeface="Arial" pitchFamily="34" charset="0"/>
+            </a:endParaRPr>
           </a:p>
         </p:txBody>
       </p:sp>
@@ -1227,6 +1240,13 @@
               </a:rPr>
               <a:t>functions</a:t>
             </a:r>
+            <a:endParaRPr lang="en-US" sz="1000" b="1" dirty="0" smtClean="0">
+              <a:solidFill>
+                <a:schemeClr val="bg1"/>
+              </a:solidFill>
+              <a:latin typeface="Arial" pitchFamily="34" charset="0"/>
+              <a:cs typeface="Arial" pitchFamily="34" charset="0"/>
+            </a:endParaRPr>
           </a:p>
         </p:txBody>
       </p:sp>
@@ -1298,6 +1318,13 @@
               </a:rPr>
               <a:t>algorithm / engine</a:t>
             </a:r>
+            <a:endParaRPr lang="en-US" sz="900" b="1" dirty="0" smtClean="0">
+              <a:solidFill>
+                <a:srgbClr val="000000"/>
+              </a:solidFill>
+              <a:latin typeface="Arial" pitchFamily="34" charset="0"/>
+              <a:cs typeface="Arial" pitchFamily="34" charset="0"/>
+            </a:endParaRPr>
           </a:p>
         </p:txBody>
       </p:sp>
@@ -1356,6 +1383,13 @@
               </a:rPr>
               <a:t>Secure login</a:t>
             </a:r>
+            <a:endParaRPr lang="en-US" sz="900" b="1" dirty="0" smtClean="0">
+              <a:solidFill>
+                <a:srgbClr val="000000"/>
+              </a:solidFill>
+              <a:latin typeface="Arial" pitchFamily="34" charset="0"/>
+              <a:cs typeface="Arial" pitchFamily="34" charset="0"/>
+            </a:endParaRPr>
           </a:p>
         </p:txBody>
       </p:sp>
@@ -1414,6 +1448,13 @@
               </a:rPr>
               <a:t>Personal profile</a:t>
             </a:r>
+            <a:endParaRPr lang="en-US" sz="900" b="1" dirty="0" smtClean="0">
+              <a:solidFill>
+                <a:srgbClr val="000000"/>
+              </a:solidFill>
+              <a:latin typeface="Arial" pitchFamily="34" charset="0"/>
+              <a:cs typeface="Arial" pitchFamily="34" charset="0"/>
+            </a:endParaRPr>
           </a:p>
         </p:txBody>
       </p:sp>
@@ -1483,7 +1524,17 @@
                 <a:latin typeface="Arial" pitchFamily="34" charset="0"/>
                 <a:cs typeface="Arial" pitchFamily="34" charset="0"/>
               </a:rPr>
-              <a:t>Days off request</a:t>
+              <a:t>Days off</a:t>
+            </a:r>
+            <a:r>
+              <a:rPr lang="en-US" sz="900" b="1" dirty="0" smtClean="0">
+                <a:solidFill>
+                  <a:srgbClr val="000000"/>
+                </a:solidFill>
+                <a:latin typeface="Arial" pitchFamily="34" charset="0"/>
+                <a:cs typeface="Arial" pitchFamily="34" charset="0"/>
+              </a:rPr>
+              <a:t> request</a:t>
             </a:r>
           </a:p>
         </p:txBody>
@@ -1556,6 +1607,13 @@
               </a:rPr>
               <a:t>notification</a:t>
             </a:r>
+            <a:endParaRPr lang="en-US" sz="900" b="1" dirty="0" smtClean="0">
+              <a:solidFill>
+                <a:srgbClr val="000000"/>
+              </a:solidFill>
+              <a:latin typeface="Arial" pitchFamily="34" charset="0"/>
+              <a:cs typeface="Arial" pitchFamily="34" charset="0"/>
+            </a:endParaRPr>
           </a:p>
         </p:txBody>
       </p:sp>
@@ -1806,7 +1864,17 @@
                 <a:latin typeface="Arial" pitchFamily="34" charset="0"/>
                 <a:cs typeface="Arial" pitchFamily="34" charset="0"/>
               </a:rPr>
-              <a:t>with Rights management</a:t>
+              <a:t>with </a:t>
+            </a:r>
+            <a:r>
+              <a:rPr lang="en-US" sz="900" b="1" dirty="0" smtClean="0">
+                <a:solidFill>
+                  <a:srgbClr val="000000"/>
+                </a:solidFill>
+                <a:latin typeface="Arial" pitchFamily="34" charset="0"/>
+                <a:cs typeface="Arial" pitchFamily="34" charset="0"/>
+              </a:rPr>
+              <a:t>Rights management</a:t>
             </a:r>
           </a:p>
         </p:txBody>
@@ -2792,6 +2860,13 @@
               </a:rPr>
               <a:t>Key</a:t>
             </a:r>
+            <a:endParaRPr lang="en-US" sz="1400" b="1" dirty="0" smtClean="0">
+              <a:solidFill>
+                <a:srgbClr val="000000"/>
+              </a:solidFill>
+              <a:latin typeface="Arial" pitchFamily="34" charset="0"/>
+              <a:cs typeface="Arial" pitchFamily="34" charset="0"/>
+            </a:endParaRPr>
           </a:p>
         </p:txBody>
       </p:sp>
@@ -3031,98 +3106,6 @@
     <p:extLst>
       <p:ext uri="{BB962C8B-B14F-4D97-AF65-F5344CB8AC3E}">
         <p14:creationId xmlns:p14="http://schemas.microsoft.com/office/powerpoint/2010/main" val="4099165933"/>
-      </p:ext>
-    </p:extLst>
-  </p:cSld>
-  <p:clrMapOvr>
-    <a:masterClrMapping/>
-  </p:clrMapOvr>
-</p:sld>
-</file>
-
-<file path=ppt/slides/slide2.xml><?xml version="1.0" encoding="utf-8"?>
-<p:sld xmlns:a="http://schemas.openxmlformats.org/drawingml/2006/main" xmlns:r="http://schemas.openxmlformats.org/officeDocument/2006/relationships" xmlns:p="http://schemas.openxmlformats.org/presentationml/2006/main">
-  <p:cSld>
-    <p:spTree>
-      <p:nvGrpSpPr>
-        <p:cNvPr id="1" name=""/>
-        <p:cNvGrpSpPr/>
-        <p:nvPr/>
-      </p:nvGrpSpPr>
-      <p:grpSpPr>
-        <a:xfrm>
-          <a:off x="0" y="0"/>
-          <a:ext cx="0" cy="0"/>
-          <a:chOff x="0" y="0"/>
-          <a:chExt cx="0" cy="0"/>
-        </a:xfrm>
-      </p:grpSpPr>
-      <p:sp>
-        <p:nvSpPr>
-          <p:cNvPr id="2" name="Title 1"/>
-          <p:cNvSpPr>
-            <a:spLocks noGrp="1"/>
-          </p:cNvSpPr>
-          <p:nvPr>
-            <p:ph type="title"/>
-          </p:nvPr>
-        </p:nvSpPr>
-        <p:spPr/>
-        <p:txBody>
-          <a:bodyPr/>
-          <a:lstStyle/>
-          <a:p>
-            <a:endParaRPr lang="en-US"/>
-          </a:p>
-        </p:txBody>
-      </p:sp>
-      <p:sp>
-        <p:nvSpPr>
-          <p:cNvPr id="3" name="Slide Number Placeholder 2"/>
-          <p:cNvSpPr>
-            <a:spLocks noGrp="1"/>
-          </p:cNvSpPr>
-          <p:nvPr>
-            <p:ph type="sldNum" sz="quarter" idx="12"/>
-          </p:nvPr>
-        </p:nvSpPr>
-        <p:spPr/>
-        <p:txBody>
-          <a:bodyPr/>
-          <a:lstStyle/>
-          <a:p>
-            <a:fld id="{41D31163-1163-4313-A5C2-14AD5F367C22}" type="slidenum">
-              <a:rPr lang="en-US" smtClean="0"/>
-              <a:pPr/>
-              <a:t>2</a:t>
-            </a:fld>
-            <a:endParaRPr lang="en-US"/>
-          </a:p>
-        </p:txBody>
-      </p:sp>
-      <p:sp>
-        <p:nvSpPr>
-          <p:cNvPr id="4" name="Text Placeholder 3"/>
-          <p:cNvSpPr>
-            <a:spLocks noGrp="1"/>
-          </p:cNvSpPr>
-          <p:nvPr>
-            <p:ph type="body" sz="quarter" idx="13"/>
-          </p:nvPr>
-        </p:nvSpPr>
-        <p:spPr/>
-        <p:txBody>
-          <a:bodyPr/>
-          <a:lstStyle/>
-          <a:p>
-            <a:endParaRPr lang="en-US"/>
-          </a:p>
-        </p:txBody>
-      </p:sp>
-    </p:spTree>
-    <p:extLst>
-      <p:ext uri="{BB962C8B-B14F-4D97-AF65-F5344CB8AC3E}">
-        <p14:creationId xmlns:p14="http://schemas.microsoft.com/office/powerpoint/2010/main" val="1125151995"/>
       </p:ext>
     </p:extLst>
   </p:cSld>
